--- a/poster1.pptx
+++ b/poster1.pptx
@@ -243,7 +243,7 @@
           <a:p>
             <a:fld id="{DC699C1C-0484-964E-8966-8113F3553CDD}" type="datetimeFigureOut">
               <a:rPr lang="en-SK" smtClean="0"/>
-              <a:t>08/11/2022</a:t>
+              <a:t>22/11/2022</a:t>
             </a:fld>
             <a:endParaRPr lang="en-SK"/>
           </a:p>
@@ -413,7 +413,7 @@
           <a:p>
             <a:fld id="{DC699C1C-0484-964E-8966-8113F3553CDD}" type="datetimeFigureOut">
               <a:rPr lang="en-SK" smtClean="0"/>
-              <a:t>08/11/2022</a:t>
+              <a:t>22/11/2022</a:t>
             </a:fld>
             <a:endParaRPr lang="en-SK"/>
           </a:p>
@@ -593,7 +593,7 @@
           <a:p>
             <a:fld id="{DC699C1C-0484-964E-8966-8113F3553CDD}" type="datetimeFigureOut">
               <a:rPr lang="en-SK" smtClean="0"/>
-              <a:t>08/11/2022</a:t>
+              <a:t>22/11/2022</a:t>
             </a:fld>
             <a:endParaRPr lang="en-SK"/>
           </a:p>
@@ -763,7 +763,7 @@
           <a:p>
             <a:fld id="{DC699C1C-0484-964E-8966-8113F3553CDD}" type="datetimeFigureOut">
               <a:rPr lang="en-SK" smtClean="0"/>
-              <a:t>08/11/2022</a:t>
+              <a:t>22/11/2022</a:t>
             </a:fld>
             <a:endParaRPr lang="en-SK"/>
           </a:p>
@@ -1007,7 +1007,7 @@
           <a:p>
             <a:fld id="{DC699C1C-0484-964E-8966-8113F3553CDD}" type="datetimeFigureOut">
               <a:rPr lang="en-SK" smtClean="0"/>
-              <a:t>08/11/2022</a:t>
+              <a:t>22/11/2022</a:t>
             </a:fld>
             <a:endParaRPr lang="en-SK"/>
           </a:p>
@@ -1239,7 +1239,7 @@
           <a:p>
             <a:fld id="{DC699C1C-0484-964E-8966-8113F3553CDD}" type="datetimeFigureOut">
               <a:rPr lang="en-SK" smtClean="0"/>
-              <a:t>08/11/2022</a:t>
+              <a:t>22/11/2022</a:t>
             </a:fld>
             <a:endParaRPr lang="en-SK"/>
           </a:p>
@@ -1606,7 +1606,7 @@
           <a:p>
             <a:fld id="{DC699C1C-0484-964E-8966-8113F3553CDD}" type="datetimeFigureOut">
               <a:rPr lang="en-SK" smtClean="0"/>
-              <a:t>08/11/2022</a:t>
+              <a:t>22/11/2022</a:t>
             </a:fld>
             <a:endParaRPr lang="en-SK"/>
           </a:p>
@@ -1724,7 +1724,7 @@
           <a:p>
             <a:fld id="{DC699C1C-0484-964E-8966-8113F3553CDD}" type="datetimeFigureOut">
               <a:rPr lang="en-SK" smtClean="0"/>
-              <a:t>08/11/2022</a:t>
+              <a:t>22/11/2022</a:t>
             </a:fld>
             <a:endParaRPr lang="en-SK"/>
           </a:p>
@@ -1819,7 +1819,7 @@
           <a:p>
             <a:fld id="{DC699C1C-0484-964E-8966-8113F3553CDD}" type="datetimeFigureOut">
               <a:rPr lang="en-SK" smtClean="0"/>
-              <a:t>08/11/2022</a:t>
+              <a:t>22/11/2022</a:t>
             </a:fld>
             <a:endParaRPr lang="en-SK"/>
           </a:p>
@@ -2096,7 +2096,7 @@
           <a:p>
             <a:fld id="{DC699C1C-0484-964E-8966-8113F3553CDD}" type="datetimeFigureOut">
               <a:rPr lang="en-SK" smtClean="0"/>
-              <a:t>08/11/2022</a:t>
+              <a:t>22/11/2022</a:t>
             </a:fld>
             <a:endParaRPr lang="en-SK"/>
           </a:p>
@@ -2353,7 +2353,7 @@
           <a:p>
             <a:fld id="{DC699C1C-0484-964E-8966-8113F3553CDD}" type="datetimeFigureOut">
               <a:rPr lang="en-SK" smtClean="0"/>
-              <a:t>08/11/2022</a:t>
+              <a:t>22/11/2022</a:t>
             </a:fld>
             <a:endParaRPr lang="en-SK"/>
           </a:p>
@@ -2566,7 +2566,7 @@
           <a:p>
             <a:fld id="{DC699C1C-0484-964E-8966-8113F3553CDD}" type="datetimeFigureOut">
               <a:rPr lang="en-SK" smtClean="0"/>
-              <a:t>08/11/2022</a:t>
+              <a:t>22/11/2022</a:t>
             </a:fld>
             <a:endParaRPr lang="en-SK"/>
           </a:p>
@@ -3019,8 +3019,8 @@
         </p:nvSpPr>
         <p:spPr>
           <a:xfrm>
-            <a:off x="2227659" y="15922457"/>
-            <a:ext cx="18176081" cy="5010872"/>
+            <a:off x="1760283" y="16196212"/>
+            <a:ext cx="18092341" cy="5046356"/>
           </a:xfrm>
         </p:spPr>
         <p:txBody>
@@ -3030,7 +3030,7 @@
           <a:lstStyle/>
           <a:p>
             <a:r>
-              <a:rPr lang="en-GB" sz="8900" dirty="0">
+              <a:rPr lang="en-GB" sz="9800" dirty="0">
                 <a:solidFill>
                   <a:schemeClr val="bg1"/>
                 </a:solidFill>
@@ -3043,7 +3043,7 @@
               <a:t>Application of vector algebra and physics in designing steering behaviours of autonomous </a:t>
             </a:r>
             <a:br>
-              <a:rPr lang="en-GB" sz="8900" dirty="0">
+              <a:rPr lang="en-GB" sz="9800" dirty="0">
                 <a:solidFill>
                   <a:schemeClr val="bg1"/>
                 </a:solidFill>
@@ -3054,7 +3054,7 @@
               </a:rPr>
             </a:br>
             <a:r>
-              <a:rPr lang="en-GB" sz="8900" dirty="0">
+              <a:rPr lang="en-GB" sz="9800" dirty="0">
                 <a:solidFill>
                   <a:schemeClr val="bg1"/>
                 </a:solidFill>
@@ -3220,10 +3220,10 @@
       </p:pic>
       <p:pic>
         <p:nvPicPr>
-          <p:cNvPr id="14" name="Picture 13" descr="A picture containing icon&#10;&#10;Description automatically generated">
+          <p:cNvPr id="13" name="Picture 12" descr="Icon&#10;&#10;Description automatically generated">
             <a:extLst>
               <a:ext uri="{FF2B5EF4-FFF2-40B4-BE49-F238E27FC236}">
-                <a16:creationId xmlns:a16="http://schemas.microsoft.com/office/drawing/2014/main" id="{898B3CAF-BF87-D17B-F2CD-F0A7EDE3FE9F}"/>
+                <a16:creationId xmlns:a16="http://schemas.microsoft.com/office/drawing/2014/main" id="{4025B970-D3E2-2B49-1B33-B10FF3903E5D}"/>
               </a:ext>
             </a:extLst>
           </p:cNvPr>
@@ -3239,9 +3239,9 @@
           </a:stretch>
         </p:blipFill>
         <p:spPr>
-          <a:xfrm rot="10800000">
-            <a:off x="0" y="6655917"/>
-            <a:ext cx="8492156" cy="6773505"/>
+          <a:xfrm>
+            <a:off x="0" y="20502342"/>
+            <a:ext cx="9990138" cy="10040721"/>
           </a:xfrm>
           <a:prstGeom prst="rect">
             <a:avLst/>
@@ -3250,10 +3250,10 @@
       </p:pic>
       <p:pic>
         <p:nvPicPr>
-          <p:cNvPr id="13" name="Picture 12" descr="Icon&#10;&#10;Description automatically generated">
+          <p:cNvPr id="11" name="Picture 10" descr="Icon&#10;&#10;Description automatically generated with medium confidence">
             <a:extLst>
               <a:ext uri="{FF2B5EF4-FFF2-40B4-BE49-F238E27FC236}">
-                <a16:creationId xmlns:a16="http://schemas.microsoft.com/office/drawing/2014/main" id="{4025B970-D3E2-2B49-1B33-B10FF3903E5D}"/>
+                <a16:creationId xmlns:a16="http://schemas.microsoft.com/office/drawing/2014/main" id="{E2C9B990-F364-CB54-6007-8472557A2BA7}"/>
               </a:ext>
             </a:extLst>
           </p:cNvPr>
@@ -3269,9 +3269,9 @@
           </a:stretch>
         </p:blipFill>
         <p:spPr>
-          <a:xfrm>
-            <a:off x="0" y="20502342"/>
-            <a:ext cx="9990138" cy="10040721"/>
+          <a:xfrm rot="2972252">
+            <a:off x="2867776" y="5044969"/>
+            <a:ext cx="4254586" cy="8710083"/>
           </a:xfrm>
           <a:prstGeom prst="rect">
             <a:avLst/>
